--- a/week13/Final Presentation.pptx
+++ b/week13/Final Presentation.pptx
@@ -11,7 +11,8 @@
     <p:sldId id="270" r:id="rId5"/>
     <p:sldId id="274" r:id="rId6"/>
     <p:sldId id="271" r:id="rId7"/>
-    <p:sldId id="268" r:id="rId8"/>
+    <p:sldId id="275" r:id="rId8"/>
+    <p:sldId id="268" r:id="rId9"/>
   </p:sldIdLst>
   <p:sldSz cx="12192000" cy="6858000"/>
   <p:notesSz cx="6858000" cy="9144000"/>
@@ -121,7 +122,7 @@
 <file path=ppt/revisionInfo.xml><?xml version="1.0" encoding="utf-8"?>
 <p1510:revInfo xmlns:a="http://schemas.openxmlformats.org/drawingml/2006/main" xmlns:r="http://schemas.openxmlformats.org/officeDocument/2006/relationships" xmlns:p1510="http://schemas.microsoft.com/office/powerpoint/2015/10/main">
   <p1510:revLst>
-    <p1510:client id="{1227AD15-99F0-BB48-B27F-4BF8210CA2D0}" v="2" dt="2023-02-22T19:34:30.915"/>
+    <p1510:client id="{0B55CD9E-1EC1-0F48-905A-85E929A678F5}" v="1" dt="2023-03-01T20:20:37.489"/>
   </p1510:revLst>
 </p1510:revInfo>
 </file>
@@ -172,6 +173,69 @@
             <ac:spMk id="6" creationId="{5B4B8124-C912-EF7E-268A-2BFC80321639}"/>
           </ac:spMkLst>
         </pc:spChg>
+      </pc:sldChg>
+    </pc:docChg>
+  </pc:docChgLst>
+  <pc:docChgLst>
+    <pc:chgData name="Chris D" userId="8f5dfa0701822c44" providerId="LiveId" clId="{0B55CD9E-1EC1-0F48-905A-85E929A678F5}"/>
+    <pc:docChg chg="custSel addSld modSld sldOrd">
+      <pc:chgData name="Chris D" userId="8f5dfa0701822c44" providerId="LiveId" clId="{0B55CD9E-1EC1-0F48-905A-85E929A678F5}" dt="2023-03-01T20:24:55.752" v="726" actId="20577"/>
+      <pc:docMkLst>
+        <pc:docMk/>
+      </pc:docMkLst>
+      <pc:sldChg chg="modSp mod">
+        <pc:chgData name="Chris D" userId="8f5dfa0701822c44" providerId="LiveId" clId="{0B55CD9E-1EC1-0F48-905A-85E929A678F5}" dt="2023-03-01T20:18:31.709" v="21" actId="20577"/>
+        <pc:sldMkLst>
+          <pc:docMk/>
+          <pc:sldMk cId="109857222" sldId="256"/>
+        </pc:sldMkLst>
+        <pc:spChg chg="mod">
+          <ac:chgData name="Chris D" userId="8f5dfa0701822c44" providerId="LiveId" clId="{0B55CD9E-1EC1-0F48-905A-85E929A678F5}" dt="2023-03-01T20:18:31.709" v="21" actId="20577"/>
+          <ac:spMkLst>
+            <pc:docMk/>
+            <pc:sldMk cId="109857222" sldId="256"/>
+            <ac:spMk id="11" creationId="{00CC22B5-8500-2C45-91DE-A596A6DF1C3B}"/>
+          </ac:spMkLst>
+        </pc:spChg>
+      </pc:sldChg>
+      <pc:sldChg chg="addSp delSp modSp add mod ord">
+        <pc:chgData name="Chris D" userId="8f5dfa0701822c44" providerId="LiveId" clId="{0B55CD9E-1EC1-0F48-905A-85E929A678F5}" dt="2023-03-01T20:24:55.752" v="726" actId="20577"/>
+        <pc:sldMkLst>
+          <pc:docMk/>
+          <pc:sldMk cId="3567133265" sldId="275"/>
+        </pc:sldMkLst>
+        <pc:spChg chg="mod">
+          <ac:chgData name="Chris D" userId="8f5dfa0701822c44" providerId="LiveId" clId="{0B55CD9E-1EC1-0F48-905A-85E929A678F5}" dt="2023-03-01T20:20:35.476" v="38" actId="20577"/>
+          <ac:spMkLst>
+            <pc:docMk/>
+            <pc:sldMk cId="3567133265" sldId="275"/>
+            <ac:spMk id="4" creationId="{13A09082-1F93-6964-00E1-3AF6D65B4FAA}"/>
+          </ac:spMkLst>
+        </pc:spChg>
+        <pc:spChg chg="mod">
+          <ac:chgData name="Chris D" userId="8f5dfa0701822c44" providerId="LiveId" clId="{0B55CD9E-1EC1-0F48-905A-85E929A678F5}" dt="2023-03-01T20:24:55.752" v="726" actId="20577"/>
+          <ac:spMkLst>
+            <pc:docMk/>
+            <pc:sldMk cId="3567133265" sldId="275"/>
+            <ac:spMk id="5" creationId="{65C364C8-A895-0DA4-22DA-8594BCDB956D}"/>
+          </ac:spMkLst>
+        </pc:spChg>
+        <pc:picChg chg="del">
+          <ac:chgData name="Chris D" userId="8f5dfa0701822c44" providerId="LiveId" clId="{0B55CD9E-1EC1-0F48-905A-85E929A678F5}" dt="2023-03-01T20:20:36.818" v="39" actId="478"/>
+          <ac:picMkLst>
+            <pc:docMk/>
+            <pc:sldMk cId="3567133265" sldId="275"/>
+            <ac:picMk id="2" creationId="{66A260C1-B298-E5EF-8C45-F7BCA8E98D20}"/>
+          </ac:picMkLst>
+        </pc:picChg>
+        <pc:picChg chg="add mod">
+          <ac:chgData name="Chris D" userId="8f5dfa0701822c44" providerId="LiveId" clId="{0B55CD9E-1EC1-0F48-905A-85E929A678F5}" dt="2023-03-01T20:20:38.884" v="41" actId="1076"/>
+          <ac:picMkLst>
+            <pc:docMk/>
+            <pc:sldMk cId="3567133265" sldId="275"/>
+            <ac:picMk id="3" creationId="{404387EB-8609-A35A-4DA9-A969D844CEEF}"/>
+          </ac:picMkLst>
+        </pc:picChg>
       </pc:sldChg>
     </pc:docChg>
   </pc:docChgLst>
@@ -502,7 +566,7 @@
           <a:p>
             <a:fld id="{C764DE79-268F-4C1A-8933-263129D2AF90}" type="datetimeFigureOut">
               <a:rPr lang="en-US" dirty="0"/>
-              <a:t>2/22/23</a:t>
+              <a:t>3/1/23</a:t>
             </a:fld>
             <a:endParaRPr lang="en-US"/>
           </a:p>
@@ -670,7 +734,7 @@
           <a:p>
             <a:fld id="{C764DE79-268F-4C1A-8933-263129D2AF90}" type="datetimeFigureOut">
               <a:rPr lang="en-US" dirty="0"/>
-              <a:t>2/22/23</a:t>
+              <a:t>3/1/23</a:t>
             </a:fld>
             <a:endParaRPr lang="en-US"/>
           </a:p>
@@ -848,7 +912,7 @@
           <a:p>
             <a:fld id="{C764DE79-268F-4C1A-8933-263129D2AF90}" type="datetimeFigureOut">
               <a:rPr lang="en-US" dirty="0"/>
-              <a:t>2/22/23</a:t>
+              <a:t>3/1/23</a:t>
             </a:fld>
             <a:endParaRPr lang="en-US"/>
           </a:p>
@@ -1016,7 +1080,7 @@
           <a:p>
             <a:fld id="{C764DE79-268F-4C1A-8933-263129D2AF90}" type="datetimeFigureOut">
               <a:rPr lang="en-US" dirty="0"/>
-              <a:t>2/22/23</a:t>
+              <a:t>3/1/23</a:t>
             </a:fld>
             <a:endParaRPr lang="en-US"/>
           </a:p>
@@ -1261,7 +1325,7 @@
           <a:p>
             <a:fld id="{C764DE79-268F-4C1A-8933-263129D2AF90}" type="datetimeFigureOut">
               <a:rPr lang="en-US" dirty="0"/>
-              <a:t>2/22/23</a:t>
+              <a:t>3/1/23</a:t>
             </a:fld>
             <a:endParaRPr lang="en-US"/>
           </a:p>
@@ -1490,7 +1554,7 @@
           <a:p>
             <a:fld id="{C764DE79-268F-4C1A-8933-263129D2AF90}" type="datetimeFigureOut">
               <a:rPr lang="en-US" dirty="0"/>
-              <a:t>2/22/23</a:t>
+              <a:t>3/1/23</a:t>
             </a:fld>
             <a:endParaRPr lang="en-US"/>
           </a:p>
@@ -1854,7 +1918,7 @@
           <a:p>
             <a:fld id="{C764DE79-268F-4C1A-8933-263129D2AF90}" type="datetimeFigureOut">
               <a:rPr lang="en-US" dirty="0"/>
-              <a:t>2/22/23</a:t>
+              <a:t>3/1/23</a:t>
             </a:fld>
             <a:endParaRPr lang="en-US"/>
           </a:p>
@@ -1971,7 +2035,7 @@
           <a:p>
             <a:fld id="{C764DE79-268F-4C1A-8933-263129D2AF90}" type="datetimeFigureOut">
               <a:rPr lang="en-US" dirty="0"/>
-              <a:t>2/22/23</a:t>
+              <a:t>3/1/23</a:t>
             </a:fld>
             <a:endParaRPr lang="en-US"/>
           </a:p>
@@ -2066,7 +2130,7 @@
           <a:p>
             <a:fld id="{C764DE79-268F-4C1A-8933-263129D2AF90}" type="datetimeFigureOut">
               <a:rPr lang="en-US" dirty="0"/>
-              <a:t>2/22/23</a:t>
+              <a:t>3/1/23</a:t>
             </a:fld>
             <a:endParaRPr lang="en-US"/>
           </a:p>
@@ -2341,7 +2405,7 @@
           <a:p>
             <a:fld id="{C764DE79-268F-4C1A-8933-263129D2AF90}" type="datetimeFigureOut">
               <a:rPr lang="en-US" dirty="0"/>
-              <a:t>2/22/23</a:t>
+              <a:t>3/1/23</a:t>
             </a:fld>
             <a:endParaRPr lang="en-US"/>
           </a:p>
@@ -2596,7 +2660,7 @@
           <a:p>
             <a:fld id="{C764DE79-268F-4C1A-8933-263129D2AF90}" type="datetimeFigureOut">
               <a:rPr lang="en-US" dirty="0"/>
-              <a:t>2/22/23</a:t>
+              <a:t>3/1/23</a:t>
             </a:fld>
             <a:endParaRPr lang="en-US"/>
           </a:p>
@@ -2807,7 +2871,7 @@
           <a:p>
             <a:fld id="{C764DE79-268F-4C1A-8933-263129D2AF90}" type="datetimeFigureOut">
               <a:rPr lang="en-US" dirty="0"/>
-              <a:t>2/22/23</a:t>
+              <a:t>3/1/23</a:t>
             </a:fld>
             <a:endParaRPr lang="en-US"/>
           </a:p>
@@ -3271,7 +3335,7 @@
         <p:spPr>
           <a:xfrm>
             <a:off x="870857" y="2380343"/>
-            <a:ext cx="8873711" cy="2769989"/>
+            <a:ext cx="6303200" cy="2769989"/>
           </a:xfrm>
           <a:prstGeom prst="rect">
             <a:avLst/>
@@ -3292,7 +3356,7 @@
                   <a:srgbClr val="FF6600"/>
                 </a:solidFill>
               </a:rPr>
-              <a:t>Exploratory Data Analysis</a:t>
+              <a:t>Internship Project</a:t>
             </a:r>
           </a:p>
           <a:p>
@@ -5734,6 +5798,568 @@
 </file>
 
 <file path=ppt/slides/slide7.xml><?xml version="1.0" encoding="utf-8"?>
+<p:sld xmlns:a="http://schemas.openxmlformats.org/drawingml/2006/main" xmlns:r="http://schemas.openxmlformats.org/officeDocument/2006/relationships" xmlns:p="http://schemas.openxmlformats.org/presentationml/2006/main">
+  <p:cSld>
+    <p:bg>
+      <p:bgPr>
+        <a:solidFill>
+          <a:schemeClr val="bg1"/>
+        </a:solidFill>
+        <a:effectLst/>
+      </p:bgPr>
+    </p:bg>
+    <p:spTree>
+      <p:nvGrpSpPr>
+        <p:cNvPr id="1" name=""/>
+        <p:cNvGrpSpPr/>
+        <p:nvPr/>
+      </p:nvGrpSpPr>
+      <p:grpSpPr>
+        <a:xfrm>
+          <a:off x="0" y="0"/>
+          <a:ext cx="0" cy="0"/>
+          <a:chOff x="0" y="0"/>
+          <a:chExt cx="0" cy="0"/>
+        </a:xfrm>
+      </p:grpSpPr>
+      <p:sp useBgFill="1">
+        <p:nvSpPr>
+          <p:cNvPr id="10" name="Rectangle 9">
+            <a:extLst>
+              <a:ext uri="{FF2B5EF4-FFF2-40B4-BE49-F238E27FC236}">
+                <a16:creationId xmlns:a16="http://schemas.microsoft.com/office/drawing/2014/main" id="{743AA782-23D1-4521-8CAD-47662984AA08}"/>
+              </a:ext>
+              <a:ext uri="{C183D7F6-B498-43B3-948B-1728B52AA6E4}">
+                <adec:decorative xmlns:adec="http://schemas.microsoft.com/office/drawing/2017/decorative" val="1"/>
+              </a:ext>
+            </a:extLst>
+          </p:cNvPr>
+          <p:cNvSpPr>
+            <a:spLocks noGrp="1" noRot="1" noChangeAspect="1" noMove="1" noResize="1" noEditPoints="1" noAdjustHandles="1" noChangeArrowheads="1" noChangeShapeType="1" noTextEdit="1"/>
+          </p:cNvSpPr>
+          <p:nvPr>
+            <p:extLst>
+              <p:ext uri="{386F3935-93C4-4BCD-93E2-E3B085C9AB24}">
+                <p16:designElem xmlns:p16="http://schemas.microsoft.com/office/powerpoint/2015/main" val="1"/>
+              </p:ext>
+            </p:extLst>
+          </p:nvPr>
+        </p:nvSpPr>
+        <p:spPr>
+          <a:xfrm>
+            <a:off x="0" y="0"/>
+            <a:ext cx="12192000" cy="6858000"/>
+          </a:xfrm>
+          <a:prstGeom prst="rect">
+            <a:avLst/>
+          </a:prstGeom>
+          <a:ln>
+            <a:noFill/>
+          </a:ln>
+        </p:spPr>
+        <p:style>
+          <a:lnRef idx="2">
+            <a:schemeClr val="accent1">
+              <a:shade val="50000"/>
+            </a:schemeClr>
+          </a:lnRef>
+          <a:fillRef idx="1">
+            <a:schemeClr val="accent1"/>
+          </a:fillRef>
+          <a:effectRef idx="0">
+            <a:schemeClr val="accent1"/>
+          </a:effectRef>
+          <a:fontRef idx="minor">
+            <a:schemeClr val="lt1"/>
+          </a:fontRef>
+        </p:style>
+        <p:txBody>
+          <a:bodyPr rtlCol="0" anchor="ctr"/>
+          <a:lstStyle/>
+          <a:p>
+            <a:pPr algn="ctr"/>
+            <a:endParaRPr lang="en-US"/>
+          </a:p>
+        </p:txBody>
+      </p:sp>
+      <p:sp>
+        <p:nvSpPr>
+          <p:cNvPr id="4" name="Title 3">
+            <a:extLst>
+              <a:ext uri="{FF2B5EF4-FFF2-40B4-BE49-F238E27FC236}">
+                <a16:creationId xmlns:a16="http://schemas.microsoft.com/office/drawing/2014/main" id="{13A09082-1F93-6964-00E1-3AF6D65B4FAA}"/>
+              </a:ext>
+            </a:extLst>
+          </p:cNvPr>
+          <p:cNvSpPr>
+            <a:spLocks noGrp="1"/>
+          </p:cNvSpPr>
+          <p:nvPr>
+            <p:ph type="title"/>
+          </p:nvPr>
+        </p:nvSpPr>
+        <p:spPr>
+          <a:xfrm>
+            <a:off x="630936" y="640080"/>
+            <a:ext cx="4818888" cy="1481328"/>
+          </a:xfrm>
+        </p:spPr>
+        <p:txBody>
+          <a:bodyPr vert="horz" lIns="91440" tIns="45720" rIns="91440" bIns="45720" rtlCol="0" anchor="b">
+            <a:normAutofit/>
+          </a:bodyPr>
+          <a:lstStyle/>
+          <a:p>
+            <a:r>
+              <a:rPr lang="en-US" sz="5400" kern="1200" dirty="0">
+                <a:solidFill>
+                  <a:schemeClr val="tx1"/>
+                </a:solidFill>
+                <a:latin typeface="+mj-lt"/>
+                <a:ea typeface="+mj-ea"/>
+                <a:cs typeface="+mj-cs"/>
+              </a:rPr>
+              <a:t>Results</a:t>
+            </a:r>
+          </a:p>
+        </p:txBody>
+      </p:sp>
+      <p:sp>
+        <p:nvSpPr>
+          <p:cNvPr id="12" name="sketch line">
+            <a:extLst>
+              <a:ext uri="{FF2B5EF4-FFF2-40B4-BE49-F238E27FC236}">
+                <a16:creationId xmlns:a16="http://schemas.microsoft.com/office/drawing/2014/main" id="{650D18FE-0824-4A46-B22C-A86B52E5780A}"/>
+              </a:ext>
+              <a:ext uri="{C183D7F6-B498-43B3-948B-1728B52AA6E4}">
+                <adec:decorative xmlns:adec="http://schemas.microsoft.com/office/drawing/2017/decorative" val="1"/>
+              </a:ext>
+            </a:extLst>
+          </p:cNvPr>
+          <p:cNvSpPr>
+            <a:spLocks noGrp="1" noRot="1" noChangeAspect="1" noMove="1" noResize="1" noEditPoints="1" noAdjustHandles="1" noChangeArrowheads="1" noChangeShapeType="1" noTextEdit="1"/>
+          </p:cNvSpPr>
+          <p:nvPr>
+            <p:extLst>
+              <p:ext uri="{386F3935-93C4-4BCD-93E2-E3B085C9AB24}">
+                <p16:designElem xmlns:p16="http://schemas.microsoft.com/office/powerpoint/2015/main" val="1"/>
+              </p:ext>
+            </p:extLst>
+          </p:nvPr>
+        </p:nvSpPr>
+        <p:spPr>
+          <a:xfrm>
+            <a:off x="643278" y="2372868"/>
+            <a:ext cx="3255095" cy="18288"/>
+          </a:xfrm>
+          <a:custGeom>
+            <a:avLst/>
+            <a:gdLst>
+              <a:gd name="connsiteX0" fmla="*/ 0 w 3255095"/>
+              <a:gd name="connsiteY0" fmla="*/ 0 h 18288"/>
+              <a:gd name="connsiteX1" fmla="*/ 618468 w 3255095"/>
+              <a:gd name="connsiteY1" fmla="*/ 0 h 18288"/>
+              <a:gd name="connsiteX2" fmla="*/ 1269487 w 3255095"/>
+              <a:gd name="connsiteY2" fmla="*/ 0 h 18288"/>
+              <a:gd name="connsiteX3" fmla="*/ 1953057 w 3255095"/>
+              <a:gd name="connsiteY3" fmla="*/ 0 h 18288"/>
+              <a:gd name="connsiteX4" fmla="*/ 2636627 w 3255095"/>
+              <a:gd name="connsiteY4" fmla="*/ 0 h 18288"/>
+              <a:gd name="connsiteX5" fmla="*/ 3255095 w 3255095"/>
+              <a:gd name="connsiteY5" fmla="*/ 0 h 18288"/>
+              <a:gd name="connsiteX6" fmla="*/ 3255095 w 3255095"/>
+              <a:gd name="connsiteY6" fmla="*/ 18288 h 18288"/>
+              <a:gd name="connsiteX7" fmla="*/ 2538974 w 3255095"/>
+              <a:gd name="connsiteY7" fmla="*/ 18288 h 18288"/>
+              <a:gd name="connsiteX8" fmla="*/ 1822853 w 3255095"/>
+              <a:gd name="connsiteY8" fmla="*/ 18288 h 18288"/>
+              <a:gd name="connsiteX9" fmla="*/ 1171834 w 3255095"/>
+              <a:gd name="connsiteY9" fmla="*/ 18288 h 18288"/>
+              <a:gd name="connsiteX10" fmla="*/ 0 w 3255095"/>
+              <a:gd name="connsiteY10" fmla="*/ 18288 h 18288"/>
+              <a:gd name="connsiteX11" fmla="*/ 0 w 3255095"/>
+              <a:gd name="connsiteY11" fmla="*/ 0 h 18288"/>
+            </a:gdLst>
+            <a:ahLst/>
+            <a:cxnLst>
+              <a:cxn ang="0">
+                <a:pos x="connsiteX0" y="connsiteY0"/>
+              </a:cxn>
+              <a:cxn ang="0">
+                <a:pos x="connsiteX1" y="connsiteY1"/>
+              </a:cxn>
+              <a:cxn ang="0">
+                <a:pos x="connsiteX2" y="connsiteY2"/>
+              </a:cxn>
+              <a:cxn ang="0">
+                <a:pos x="connsiteX3" y="connsiteY3"/>
+              </a:cxn>
+              <a:cxn ang="0">
+                <a:pos x="connsiteX4" y="connsiteY4"/>
+              </a:cxn>
+              <a:cxn ang="0">
+                <a:pos x="connsiteX5" y="connsiteY5"/>
+              </a:cxn>
+              <a:cxn ang="0">
+                <a:pos x="connsiteX6" y="connsiteY6"/>
+              </a:cxn>
+              <a:cxn ang="0">
+                <a:pos x="connsiteX7" y="connsiteY7"/>
+              </a:cxn>
+              <a:cxn ang="0">
+                <a:pos x="connsiteX8" y="connsiteY8"/>
+              </a:cxn>
+              <a:cxn ang="0">
+                <a:pos x="connsiteX9" y="connsiteY9"/>
+              </a:cxn>
+              <a:cxn ang="0">
+                <a:pos x="connsiteX10" y="connsiteY10"/>
+              </a:cxn>
+              <a:cxn ang="0">
+                <a:pos x="connsiteX11" y="connsiteY11"/>
+              </a:cxn>
+            </a:cxnLst>
+            <a:rect l="l" t="t" r="r" b="b"/>
+            <a:pathLst>
+              <a:path w="3255095" h="18288" fill="none" extrusionOk="0">
+                <a:moveTo>
+                  <a:pt x="0" y="0"/>
+                </a:moveTo>
+                <a:cubicBezTo>
+                  <a:pt x="240201" y="-22123"/>
+                  <a:pt x="462021" y="-19623"/>
+                  <a:pt x="618468" y="0"/>
+                </a:cubicBezTo>
+                <a:cubicBezTo>
+                  <a:pt x="774915" y="19623"/>
+                  <a:pt x="974734" y="2035"/>
+                  <a:pt x="1269487" y="0"/>
+                </a:cubicBezTo>
+                <a:cubicBezTo>
+                  <a:pt x="1564240" y="-2035"/>
+                  <a:pt x="1733579" y="10639"/>
+                  <a:pt x="1953057" y="0"/>
+                </a:cubicBezTo>
+                <a:cubicBezTo>
+                  <a:pt x="2172535" y="-10639"/>
+                  <a:pt x="2453962" y="14018"/>
+                  <a:pt x="2636627" y="0"/>
+                </a:cubicBezTo>
+                <a:cubicBezTo>
+                  <a:pt x="2819292" y="-14018"/>
+                  <a:pt x="3121375" y="5399"/>
+                  <a:pt x="3255095" y="0"/>
+                </a:cubicBezTo>
+                <a:cubicBezTo>
+                  <a:pt x="3254386" y="8157"/>
+                  <a:pt x="3254682" y="12125"/>
+                  <a:pt x="3255095" y="18288"/>
+                </a:cubicBezTo>
+                <a:cubicBezTo>
+                  <a:pt x="3088545" y="23203"/>
+                  <a:pt x="2687475" y="7419"/>
+                  <a:pt x="2538974" y="18288"/>
+                </a:cubicBezTo>
+                <a:cubicBezTo>
+                  <a:pt x="2390473" y="29157"/>
+                  <a:pt x="2137381" y="-8959"/>
+                  <a:pt x="1822853" y="18288"/>
+                </a:cubicBezTo>
+                <a:cubicBezTo>
+                  <a:pt x="1508325" y="45535"/>
+                  <a:pt x="1466437" y="20385"/>
+                  <a:pt x="1171834" y="18288"/>
+                </a:cubicBezTo>
+                <a:cubicBezTo>
+                  <a:pt x="877231" y="16191"/>
+                  <a:pt x="561097" y="37643"/>
+                  <a:pt x="0" y="18288"/>
+                </a:cubicBezTo>
+                <a:cubicBezTo>
+                  <a:pt x="-46" y="12483"/>
+                  <a:pt x="-203" y="6491"/>
+                  <a:pt x="0" y="0"/>
+                </a:cubicBezTo>
+                <a:close/>
+              </a:path>
+              <a:path w="3255095" h="18288" stroke="0" extrusionOk="0">
+                <a:moveTo>
+                  <a:pt x="0" y="0"/>
+                </a:moveTo>
+                <a:cubicBezTo>
+                  <a:pt x="291965" y="19429"/>
+                  <a:pt x="363155" y="8568"/>
+                  <a:pt x="618468" y="0"/>
+                </a:cubicBezTo>
+                <a:cubicBezTo>
+                  <a:pt x="873781" y="-8568"/>
+                  <a:pt x="904459" y="-19505"/>
+                  <a:pt x="1171834" y="0"/>
+                </a:cubicBezTo>
+                <a:cubicBezTo>
+                  <a:pt x="1439209" y="19505"/>
+                  <a:pt x="1744369" y="9790"/>
+                  <a:pt x="1887955" y="0"/>
+                </a:cubicBezTo>
+                <a:cubicBezTo>
+                  <a:pt x="2031541" y="-9790"/>
+                  <a:pt x="2346378" y="21240"/>
+                  <a:pt x="2506423" y="0"/>
+                </a:cubicBezTo>
+                <a:cubicBezTo>
+                  <a:pt x="2666468" y="-21240"/>
+                  <a:pt x="2990257" y="30414"/>
+                  <a:pt x="3255095" y="0"/>
+                </a:cubicBezTo>
+                <a:cubicBezTo>
+                  <a:pt x="3254831" y="4493"/>
+                  <a:pt x="3255479" y="9472"/>
+                  <a:pt x="3255095" y="18288"/>
+                </a:cubicBezTo>
+                <a:cubicBezTo>
+                  <a:pt x="3120743" y="16690"/>
+                  <a:pt x="2759628" y="42462"/>
+                  <a:pt x="2604076" y="18288"/>
+                </a:cubicBezTo>
+                <a:cubicBezTo>
+                  <a:pt x="2448524" y="-5886"/>
+                  <a:pt x="2184336" y="19599"/>
+                  <a:pt x="1887955" y="18288"/>
+                </a:cubicBezTo>
+                <a:cubicBezTo>
+                  <a:pt x="1591574" y="16977"/>
+                  <a:pt x="1548845" y="6870"/>
+                  <a:pt x="1334589" y="18288"/>
+                </a:cubicBezTo>
+                <a:cubicBezTo>
+                  <a:pt x="1120333" y="29706"/>
+                  <a:pt x="996014" y="9662"/>
+                  <a:pt x="683570" y="18288"/>
+                </a:cubicBezTo>
+                <a:cubicBezTo>
+                  <a:pt x="371126" y="26914"/>
+                  <a:pt x="198687" y="16167"/>
+                  <a:pt x="0" y="18288"/>
+                </a:cubicBezTo>
+                <a:cubicBezTo>
+                  <a:pt x="843" y="9577"/>
+                  <a:pt x="371" y="6900"/>
+                  <a:pt x="0" y="0"/>
+                </a:cubicBezTo>
+                <a:close/>
+              </a:path>
+            </a:pathLst>
+          </a:custGeom>
+          <a:solidFill>
+            <a:schemeClr val="accent2"/>
+          </a:solidFill>
+          <a:ln w="38100" cap="rnd">
+            <a:solidFill>
+              <a:schemeClr val="accent2"/>
+            </a:solidFill>
+            <a:round/>
+            <a:extLst>
+              <a:ext uri="{C807C97D-BFC1-408E-A445-0C87EB9F89A2}">
+                <ask:lineSketchStyleProps xmlns:ask="http://schemas.microsoft.com/office/drawing/2018/sketchyshapes" sd="1219033472">
+                  <a:prstGeom prst="rect">
+                    <a:avLst/>
+                  </a:prstGeom>
+                  <ask:type>
+                    <ask:lineSketchFreehand/>
+                  </ask:type>
+                </ask:lineSketchStyleProps>
+              </a:ext>
+            </a:extLst>
+          </a:ln>
+        </p:spPr>
+        <p:style>
+          <a:lnRef idx="2">
+            <a:schemeClr val="accent1">
+              <a:shade val="50000"/>
+            </a:schemeClr>
+          </a:lnRef>
+          <a:fillRef idx="1">
+            <a:schemeClr val="accent1"/>
+          </a:fillRef>
+          <a:effectRef idx="0">
+            <a:schemeClr val="accent1"/>
+          </a:effectRef>
+          <a:fontRef idx="minor">
+            <a:schemeClr val="lt1"/>
+          </a:fontRef>
+        </p:style>
+        <p:txBody>
+          <a:bodyPr rtlCol="0" anchor="ctr"/>
+          <a:lstStyle/>
+          <a:p>
+            <a:pPr algn="ctr"/>
+            <a:endParaRPr lang="en-US"/>
+          </a:p>
+        </p:txBody>
+      </p:sp>
+      <p:sp>
+        <p:nvSpPr>
+          <p:cNvPr id="5" name="Content Placeholder 4">
+            <a:extLst>
+              <a:ext uri="{FF2B5EF4-FFF2-40B4-BE49-F238E27FC236}">
+                <a16:creationId xmlns:a16="http://schemas.microsoft.com/office/drawing/2014/main" id="{65C364C8-A895-0DA4-22DA-8594BCDB956D}"/>
+              </a:ext>
+            </a:extLst>
+          </p:cNvPr>
+          <p:cNvSpPr>
+            <a:spLocks noGrp="1"/>
+          </p:cNvSpPr>
+          <p:nvPr>
+            <p:ph sz="half" idx="1"/>
+          </p:nvPr>
+        </p:nvSpPr>
+        <p:spPr>
+          <a:xfrm>
+            <a:off x="630936" y="2660904"/>
+            <a:ext cx="4818888" cy="3547872"/>
+          </a:xfrm>
+        </p:spPr>
+        <p:txBody>
+          <a:bodyPr vert="horz" lIns="91440" tIns="45720" rIns="91440" bIns="45720" rtlCol="0" anchor="t">
+            <a:normAutofit/>
+          </a:bodyPr>
+          <a:lstStyle/>
+          <a:p>
+            <a:pPr marL="0" marR="0" indent="0">
+              <a:spcBef>
+                <a:spcPts val="900"/>
+              </a:spcBef>
+              <a:spcAft>
+                <a:spcPts val="900"/>
+              </a:spcAft>
+              <a:buNone/>
+            </a:pPr>
+            <a:r>
+              <a:rPr lang="en-US" sz="1900" b="1" dirty="0"/>
+              <a:t>Although the final model predicted </a:t>
+            </a:r>
+            <a:r>
+              <a:rPr lang="en-US" sz="1900" b="1" u="sng" dirty="0"/>
+              <a:t>patients’ persistency only 77%  </a:t>
+            </a:r>
+            <a:r>
+              <a:rPr lang="en-US" sz="1900" b="1" dirty="0"/>
+              <a:t>of the time, it accurately predicts patients who will </a:t>
+            </a:r>
+            <a:r>
+              <a:rPr lang="en-US" sz="1900" b="1" u="sng" dirty="0"/>
+              <a:t>not persist </a:t>
+            </a:r>
+            <a:r>
+              <a:rPr lang="en-US" sz="1900" b="1" dirty="0"/>
+              <a:t>with treatment </a:t>
+            </a:r>
+            <a:r>
+              <a:rPr lang="en-US" sz="1900" b="1" u="sng" dirty="0"/>
+              <a:t>84% </a:t>
+            </a:r>
+            <a:r>
+              <a:rPr lang="en-US" sz="1900" b="1" dirty="0"/>
+              <a:t>of time.</a:t>
+            </a:r>
+          </a:p>
+          <a:p>
+            <a:pPr marL="0" marR="0" indent="0">
+              <a:spcBef>
+                <a:spcPts val="900"/>
+              </a:spcBef>
+              <a:spcAft>
+                <a:spcPts val="900"/>
+              </a:spcAft>
+              <a:buNone/>
+            </a:pPr>
+            <a:r>
+              <a:rPr lang="en-US" sz="1900" dirty="0">
+                <a:effectLst/>
+              </a:rPr>
+              <a:t>It should be noted, however, this analysis has not developed any causal relationship between the provided dataset features and patient’s persistency tendencies.  </a:t>
+            </a:r>
+          </a:p>
+          <a:p>
+            <a:pPr marL="0" marR="0" indent="0">
+              <a:spcBef>
+                <a:spcPts val="900"/>
+              </a:spcBef>
+              <a:spcAft>
+                <a:spcPts val="900"/>
+              </a:spcAft>
+              <a:buNone/>
+            </a:pPr>
+            <a:r>
+              <a:rPr lang="en-US" sz="1900" dirty="0"/>
+              <a:t>I can only </a:t>
+            </a:r>
+            <a:r>
+              <a:rPr lang="en-US" sz="1900" u="sng" dirty="0"/>
+              <a:t>correlate</a:t>
+            </a:r>
+            <a:r>
+              <a:rPr lang="en-US" sz="1900" dirty="0"/>
+              <a:t> a patient’s persistency likelihood with the amount of concomitant medical treatments, primarily </a:t>
+            </a:r>
+            <a:r>
+              <a:rPr lang="en-US" sz="1900" dirty="0" err="1"/>
+              <a:t>Dexa</a:t>
+            </a:r>
+            <a:r>
+              <a:rPr lang="en-US" sz="1900" dirty="0"/>
+              <a:t> treatment.</a:t>
+            </a:r>
+            <a:endParaRPr lang="en-US" sz="1900" u="sng" dirty="0">
+              <a:effectLst/>
+            </a:endParaRPr>
+          </a:p>
+        </p:txBody>
+      </p:sp>
+      <p:pic>
+        <p:nvPicPr>
+          <p:cNvPr id="3" name="Picture 2">
+            <a:extLst>
+              <a:ext uri="{FF2B5EF4-FFF2-40B4-BE49-F238E27FC236}">
+                <a16:creationId xmlns:a16="http://schemas.microsoft.com/office/drawing/2014/main" id="{404387EB-8609-A35A-4DA9-A969D844CEEF}"/>
+              </a:ext>
+            </a:extLst>
+          </p:cNvPr>
+          <p:cNvPicPr>
+            <a:picLocks noChangeAspect="1"/>
+          </p:cNvPicPr>
+          <p:nvPr/>
+        </p:nvPicPr>
+        <p:blipFill>
+          <a:blip r:embed="rId2"/>
+          <a:stretch>
+            <a:fillRect/>
+          </a:stretch>
+        </p:blipFill>
+        <p:spPr>
+          <a:xfrm>
+            <a:off x="5887212" y="1860369"/>
+            <a:ext cx="5867400" cy="3581400"/>
+          </a:xfrm>
+          <a:prstGeom prst="rect">
+            <a:avLst/>
+          </a:prstGeom>
+        </p:spPr>
+      </p:pic>
+    </p:spTree>
+    <p:extLst>
+      <p:ext uri="{BB962C8B-B14F-4D97-AF65-F5344CB8AC3E}">
+        <p14:creationId xmlns:p14="http://schemas.microsoft.com/office/powerpoint/2010/main" val="3567133265"/>
+      </p:ext>
+    </p:extLst>
+  </p:cSld>
+  <p:clrMapOvr>
+    <a:masterClrMapping/>
+  </p:clrMapOvr>
+</p:sld>
+</file>
+
+<file path=ppt/slides/slide8.xml><?xml version="1.0" encoding="utf-8"?>
 <p:sld xmlns:a="http://schemas.openxmlformats.org/drawingml/2006/main" xmlns:r="http://schemas.openxmlformats.org/officeDocument/2006/relationships" xmlns:p="http://schemas.openxmlformats.org/presentationml/2006/main">
   <p:cSld>
     <p:spTree>
